--- a/Entrepreneur [Autosaved].pptx
+++ b/Entrepreneur [Autosaved].pptx
@@ -268,7 +268,7 @@
           <a:p>
             <a:fld id="{C764DE79-268F-4C1A-8933-263129D2AF90}" type="datetimeFigureOut">
               <a:rPr lang="en-US" dirty="0"/>
-              <a:t>7/1/2024</a:t>
+              <a:t>7/5/2024</a:t>
             </a:fld>
             <a:endParaRPr lang="en-US" dirty="0"/>
           </a:p>
@@ -433,7 +433,7 @@
           <a:p>
             <a:fld id="{C764DE79-268F-4C1A-8933-263129D2AF90}" type="datetimeFigureOut">
               <a:rPr lang="en-US" dirty="0"/>
-              <a:t>7/1/2024</a:t>
+              <a:t>7/5/2024</a:t>
             </a:fld>
             <a:endParaRPr lang="en-US" dirty="0"/>
           </a:p>
@@ -608,7 +608,7 @@
           <a:p>
             <a:fld id="{C764DE79-268F-4C1A-8933-263129D2AF90}" type="datetimeFigureOut">
               <a:rPr lang="en-US" dirty="0"/>
-              <a:t>7/1/2024</a:t>
+              <a:t>7/5/2024</a:t>
             </a:fld>
             <a:endParaRPr lang="en-US" dirty="0"/>
           </a:p>
@@ -773,7 +773,7 @@
           <a:p>
             <a:fld id="{C764DE79-268F-4C1A-8933-263129D2AF90}" type="datetimeFigureOut">
               <a:rPr lang="en-US" dirty="0"/>
-              <a:t>7/1/2024</a:t>
+              <a:t>7/5/2024</a:t>
             </a:fld>
             <a:endParaRPr lang="en-US" dirty="0"/>
           </a:p>
@@ -1014,7 +1014,7 @@
           <a:p>
             <a:fld id="{C764DE79-268F-4C1A-8933-263129D2AF90}" type="datetimeFigureOut">
               <a:rPr lang="en-US" dirty="0"/>
-              <a:t>7/1/2024</a:t>
+              <a:t>7/5/2024</a:t>
             </a:fld>
             <a:endParaRPr lang="en-US" dirty="0"/>
           </a:p>
@@ -1241,7 +1241,7 @@
           <a:p>
             <a:fld id="{C764DE79-268F-4C1A-8933-263129D2AF90}" type="datetimeFigureOut">
               <a:rPr lang="en-US" dirty="0"/>
-              <a:t>7/1/2024</a:t>
+              <a:t>7/5/2024</a:t>
             </a:fld>
             <a:endParaRPr lang="en-US" dirty="0"/>
           </a:p>
@@ -1603,7 +1603,7 @@
           <a:p>
             <a:fld id="{C764DE79-268F-4C1A-8933-263129D2AF90}" type="datetimeFigureOut">
               <a:rPr lang="en-US" dirty="0"/>
-              <a:t>7/1/2024</a:t>
+              <a:t>7/5/2024</a:t>
             </a:fld>
             <a:endParaRPr lang="en-US" dirty="0"/>
           </a:p>
@@ -1716,7 +1716,7 @@
           <a:p>
             <a:fld id="{C764DE79-268F-4C1A-8933-263129D2AF90}" type="datetimeFigureOut">
               <a:rPr lang="en-US" dirty="0"/>
-              <a:t>7/1/2024</a:t>
+              <a:t>7/5/2024</a:t>
             </a:fld>
             <a:endParaRPr lang="en-US" dirty="0"/>
           </a:p>
@@ -1806,7 +1806,7 @@
           <a:p>
             <a:fld id="{C764DE79-268F-4C1A-8933-263129D2AF90}" type="datetimeFigureOut">
               <a:rPr lang="en-US" dirty="0"/>
-              <a:t>7/1/2024</a:t>
+              <a:t>7/5/2024</a:t>
             </a:fld>
             <a:endParaRPr lang="en-US" dirty="0"/>
           </a:p>
@@ -2078,7 +2078,7 @@
           <a:p>
             <a:fld id="{C764DE79-268F-4C1A-8933-263129D2AF90}" type="datetimeFigureOut">
               <a:rPr lang="en-US" dirty="0"/>
-              <a:t>7/1/2024</a:t>
+              <a:t>7/5/2024</a:t>
             </a:fld>
             <a:endParaRPr lang="en-US" dirty="0"/>
           </a:p>
@@ -2330,7 +2330,7 @@
           <a:p>
             <a:fld id="{C764DE79-268F-4C1A-8933-263129D2AF90}" type="datetimeFigureOut">
               <a:rPr lang="en-US" dirty="0"/>
-              <a:t>7/1/2024</a:t>
+              <a:t>7/5/2024</a:t>
             </a:fld>
             <a:endParaRPr lang="en-US" dirty="0"/>
           </a:p>
@@ -2538,7 +2538,7 @@
           <a:p>
             <a:fld id="{C764DE79-268F-4C1A-8933-263129D2AF90}" type="datetimeFigureOut">
               <a:rPr lang="en-US" dirty="0"/>
-              <a:t>7/1/2024</a:t>
+              <a:t>7/5/2024</a:t>
             </a:fld>
             <a:endParaRPr lang="en-US" dirty="0"/>
           </a:p>
@@ -6970,7 +6970,7 @@
           <a:p>
             <a:r>
               <a:rPr lang="en-US" dirty="0"/>
-              <a:t>Schema</a:t>
+              <a:t>Schema’s</a:t>
             </a:r>
           </a:p>
           <a:p>
@@ -8795,10 +8795,10 @@
           <a:lstStyle/>
           <a:p>
             <a:r>
-              <a:rPr lang="en-US" dirty="0"/>
+              <a:rPr lang="en-US" u="sng" dirty="0"/>
               <a:t>E-R Diagram</a:t>
             </a:r>
-            <a:endParaRPr lang="en-IN" dirty="0"/>
+            <a:endParaRPr lang="en-IN" u="sng" dirty="0"/>
           </a:p>
         </p:txBody>
       </p:sp>
@@ -8888,7 +8888,7 @@
                   <a:srgbClr val="FFFF00"/>
                 </a:highlight>
               </a:rPr>
-              <a:t>TOOLS for DATA ANALYSIS</a:t>
+              <a:t>Technical-Tools for DATA ANALYSIS</a:t>
             </a:r>
             <a:endParaRPr lang="en-IN" dirty="0">
               <a:highlight>
